--- a/6-semester/physical-education/practical12.pptx
+++ b/6-semester/physical-education/practical12.pptx
@@ -5937,10 +5937,16 @@
           </a:p>
           <a:p>
             <a:r>
+              <a:rPr lang="ru-RU">
+                <a:hlinkClick r:id="rId4" action="ppaction://hlinksldjump"/>
+              </a:rPr>
+              <a:t>Правила и </a:t>
+            </a:r>
+            <a:r>
               <a:rPr lang="ru-RU" dirty="0">
                 <a:hlinkClick r:id="rId4" action="ppaction://hlinksldjump"/>
               </a:rPr>
-              <a:t>Правила игры и используемое оборудование</a:t>
+              <a:t>используемое оборудование</a:t>
             </a:r>
             <a:endParaRPr lang="ru-RU" dirty="0"/>
           </a:p>
